--- a/figures/17-fig-02.pptx
+++ b/figures/17-fig-02.pptx
@@ -5,8 +5,8 @@
     <p:sldMasterId id="2147483648" r:id="rId1"/>
   </p:sldMasterIdLst>
   <p:sldIdLst>
-    <p:sldId id="256" r:id="rId2"/>
-    <p:sldId id="257" r:id="rId3"/>
+    <p:sldId id="257" r:id="rId2"/>
+    <p:sldId id="256" r:id="rId3"/>
   </p:sldIdLst>
   <p:sldSz cx="12192000" cy="6858000"/>
   <p:notesSz cx="6858000" cy="9144000"/>
@@ -3327,6 +3327,482 @@
 </file>
 
 <file path=ppt/slides/slide1.xml><?xml version="1.0" encoding="utf-8"?>
+<p:sld xmlns:a="http://schemas.openxmlformats.org/drawingml/2006/main" xmlns:r="http://schemas.openxmlformats.org/officeDocument/2006/relationships" xmlns:p="http://schemas.openxmlformats.org/presentationml/2006/main">
+  <p:cSld>
+    <p:spTree>
+      <p:nvGrpSpPr>
+        <p:cNvPr id="1" name=""/>
+        <p:cNvGrpSpPr/>
+        <p:nvPr/>
+      </p:nvGrpSpPr>
+      <p:grpSpPr>
+        <a:xfrm>
+          <a:off x="0" y="0"/>
+          <a:ext cx="0" cy="0"/>
+          <a:chOff x="0" y="0"/>
+          <a:chExt cx="0" cy="0"/>
+        </a:xfrm>
+      </p:grpSpPr>
+      <p:grpSp>
+        <p:nvGrpSpPr>
+          <p:cNvPr id="28" name="그룹 27">
+            <a:extLst>
+              <a:ext uri="{FF2B5EF4-FFF2-40B4-BE49-F238E27FC236}">
+                <a16:creationId xmlns:a16="http://schemas.microsoft.com/office/drawing/2014/main" id="{29341C9C-035D-4ED7-8A56-8A79CBAA3D33}"/>
+              </a:ext>
+            </a:extLst>
+          </p:cNvPr>
+          <p:cNvGrpSpPr/>
+          <p:nvPr/>
+        </p:nvGrpSpPr>
+        <p:grpSpPr>
+          <a:xfrm>
+            <a:off x="481012" y="566057"/>
+            <a:ext cx="11615738" cy="5639772"/>
+            <a:chOff x="481012" y="566057"/>
+            <a:chExt cx="11615738" cy="5639772"/>
+          </a:xfrm>
+        </p:grpSpPr>
+        <p:pic>
+          <p:nvPicPr>
+            <p:cNvPr id="2" name="Picture 4" descr="PD의 시간에 따른 변화의 사례 (Primary Psychiatry 2013)">
+              <a:extLst>
+                <a:ext uri="{FF2B5EF4-FFF2-40B4-BE49-F238E27FC236}">
+                  <a16:creationId xmlns:a16="http://schemas.microsoft.com/office/drawing/2014/main" id="{94B07EEB-94AE-48E5-962D-D96DAC0284F2}"/>
+                </a:ext>
+              </a:extLst>
+            </p:cNvPr>
+            <p:cNvPicPr>
+              <a:picLocks noChangeAspect="1" noChangeArrowheads="1"/>
+            </p:cNvPicPr>
+            <p:nvPr/>
+          </p:nvPicPr>
+          <p:blipFill rotWithShape="1">
+            <a:blip r:embed="rId2">
+              <a:extLst>
+                <a:ext uri="{28A0092B-C50C-407E-A947-70E740481C1C}">
+                  <a14:useLocalDpi xmlns:a14="http://schemas.microsoft.com/office/drawing/2010/main" val="0"/>
+                </a:ext>
+              </a:extLst>
+            </a:blip>
+            <a:srcRect l="35625"/>
+            <a:stretch/>
+          </p:blipFill>
+          <p:spPr bwMode="auto">
+            <a:xfrm>
+              <a:off x="481012" y="652171"/>
+              <a:ext cx="11229975" cy="5553658"/>
+            </a:xfrm>
+            <a:prstGeom prst="rect">
+              <a:avLst/>
+            </a:prstGeom>
+            <a:noFill/>
+            <a:extLst>
+              <a:ext uri="{909E8E84-426E-40DD-AFC4-6F175D3DCCD1}">
+                <a14:hiddenFill xmlns:a14="http://schemas.microsoft.com/office/drawing/2010/main">
+                  <a:solidFill>
+                    <a:srgbClr val="FFFFFF"/>
+                  </a:solidFill>
+                </a14:hiddenFill>
+              </a:ext>
+            </a:extLst>
+          </p:spPr>
+        </p:pic>
+        <p:sp>
+          <p:nvSpPr>
+            <p:cNvPr id="3" name="직사각형 2">
+              <a:extLst>
+                <a:ext uri="{FF2B5EF4-FFF2-40B4-BE49-F238E27FC236}">
+                  <a16:creationId xmlns:a16="http://schemas.microsoft.com/office/drawing/2014/main" id="{234FDFC0-2BA0-48E0-A357-0EB91F477CF9}"/>
+                </a:ext>
+              </a:extLst>
+            </p:cNvPr>
+            <p:cNvSpPr/>
+            <p:nvPr/>
+          </p:nvSpPr>
+          <p:spPr>
+            <a:xfrm>
+              <a:off x="6277244" y="1536653"/>
+              <a:ext cx="2073004" cy="2435272"/>
+            </a:xfrm>
+            <a:prstGeom prst="rect">
+              <a:avLst/>
+            </a:prstGeom>
+            <a:solidFill>
+              <a:schemeClr val="bg1"/>
+            </a:solidFill>
+            <a:ln>
+              <a:noFill/>
+            </a:ln>
+          </p:spPr>
+          <p:style>
+            <a:lnRef idx="2">
+              <a:schemeClr val="accent1">
+                <a:shade val="50000"/>
+              </a:schemeClr>
+            </a:lnRef>
+            <a:fillRef idx="1">
+              <a:schemeClr val="accent1"/>
+            </a:fillRef>
+            <a:effectRef idx="0">
+              <a:schemeClr val="accent1"/>
+            </a:effectRef>
+            <a:fontRef idx="minor">
+              <a:schemeClr val="lt1"/>
+            </a:fontRef>
+          </p:style>
+          <p:txBody>
+            <a:bodyPr rtlCol="0" anchor="ctr"/>
+            <a:lstStyle/>
+            <a:p>
+              <a:pPr algn="ctr"/>
+              <a:endParaRPr lang="en-US" dirty="0"/>
+            </a:p>
+          </p:txBody>
+        </p:sp>
+        <p:sp>
+          <p:nvSpPr>
+            <p:cNvPr id="4" name="직사각형 3">
+              <a:extLst>
+                <a:ext uri="{FF2B5EF4-FFF2-40B4-BE49-F238E27FC236}">
+                  <a16:creationId xmlns:a16="http://schemas.microsoft.com/office/drawing/2014/main" id="{96ACB218-8B42-470D-9B4C-C17F50082FB3}"/>
+                </a:ext>
+              </a:extLst>
+            </p:cNvPr>
+            <p:cNvSpPr/>
+            <p:nvPr/>
+          </p:nvSpPr>
+          <p:spPr>
+            <a:xfrm>
+              <a:off x="5872299" y="566057"/>
+              <a:ext cx="1390648" cy="2368732"/>
+            </a:xfrm>
+            <a:prstGeom prst="rect">
+              <a:avLst/>
+            </a:prstGeom>
+            <a:solidFill>
+              <a:schemeClr val="bg1"/>
+            </a:solidFill>
+            <a:ln>
+              <a:noFill/>
+            </a:ln>
+          </p:spPr>
+          <p:style>
+            <a:lnRef idx="2">
+              <a:schemeClr val="accent1">
+                <a:shade val="50000"/>
+              </a:schemeClr>
+            </a:lnRef>
+            <a:fillRef idx="1">
+              <a:schemeClr val="accent1"/>
+            </a:fillRef>
+            <a:effectRef idx="0">
+              <a:schemeClr val="accent1"/>
+            </a:effectRef>
+            <a:fontRef idx="minor">
+              <a:schemeClr val="lt1"/>
+            </a:fontRef>
+          </p:style>
+          <p:txBody>
+            <a:bodyPr rtlCol="0" anchor="ctr"/>
+            <a:lstStyle/>
+            <a:p>
+              <a:pPr algn="ctr"/>
+              <a:endParaRPr lang="en-US" dirty="0"/>
+            </a:p>
+          </p:txBody>
+        </p:sp>
+        <p:sp>
+          <p:nvSpPr>
+            <p:cNvPr id="25" name="직사각형 24">
+              <a:extLst>
+                <a:ext uri="{FF2B5EF4-FFF2-40B4-BE49-F238E27FC236}">
+                  <a16:creationId xmlns:a16="http://schemas.microsoft.com/office/drawing/2014/main" id="{BF4F7073-E570-43F4-806E-3F0FB53EA43E}"/>
+                </a:ext>
+              </a:extLst>
+            </p:cNvPr>
+            <p:cNvSpPr/>
+            <p:nvPr/>
+          </p:nvSpPr>
+          <p:spPr>
+            <a:xfrm>
+              <a:off x="8282124" y="2659516"/>
+              <a:ext cx="3814626" cy="1538968"/>
+            </a:xfrm>
+            <a:prstGeom prst="rect">
+              <a:avLst/>
+            </a:prstGeom>
+            <a:solidFill>
+              <a:schemeClr val="bg1"/>
+            </a:solidFill>
+            <a:ln>
+              <a:noFill/>
+            </a:ln>
+          </p:spPr>
+          <p:style>
+            <a:lnRef idx="2">
+              <a:schemeClr val="accent1">
+                <a:shade val="50000"/>
+              </a:schemeClr>
+            </a:lnRef>
+            <a:fillRef idx="1">
+              <a:schemeClr val="accent1"/>
+            </a:fillRef>
+            <a:effectRef idx="0">
+              <a:schemeClr val="accent1"/>
+            </a:effectRef>
+            <a:fontRef idx="minor">
+              <a:schemeClr val="lt1"/>
+            </a:fontRef>
+          </p:style>
+          <p:txBody>
+            <a:bodyPr rtlCol="0" anchor="ctr"/>
+            <a:lstStyle/>
+            <a:p>
+              <a:pPr algn="ctr"/>
+              <a:endParaRPr lang="en-US" dirty="0"/>
+            </a:p>
+          </p:txBody>
+        </p:sp>
+        <p:pic>
+          <p:nvPicPr>
+            <p:cNvPr id="26" name="Picture 4" descr="PD의 시간에 따른 변화의 사례 (Primary Psychiatry 2013)">
+              <a:extLst>
+                <a:ext uri="{FF2B5EF4-FFF2-40B4-BE49-F238E27FC236}">
+                  <a16:creationId xmlns:a16="http://schemas.microsoft.com/office/drawing/2014/main" id="{FFB5EBFC-3977-4229-9C82-8608612ABF1B}"/>
+                </a:ext>
+              </a:extLst>
+            </p:cNvPr>
+            <p:cNvPicPr>
+              <a:picLocks noChangeAspect="1" noChangeArrowheads="1"/>
+            </p:cNvPicPr>
+            <p:nvPr/>
+          </p:nvPicPr>
+          <p:blipFill rotWithShape="1">
+            <a:blip r:embed="rId2">
+              <a:extLst>
+                <a:ext uri="{28A0092B-C50C-407E-A947-70E740481C1C}">
+                  <a14:useLocalDpi xmlns:a14="http://schemas.microsoft.com/office/drawing/2010/main" val="0"/>
+                </a:ext>
+              </a:extLst>
+            </a:blip>
+            <a:srcRect l="80322" t="42625" b="33193"/>
+            <a:stretch/>
+          </p:blipFill>
+          <p:spPr bwMode="auto">
+            <a:xfrm>
+              <a:off x="8299449" y="2566849"/>
+              <a:ext cx="3423337" cy="1339330"/>
+            </a:xfrm>
+            <a:prstGeom prst="rect">
+              <a:avLst/>
+            </a:prstGeom>
+            <a:noFill/>
+            <a:extLst>
+              <a:ext uri="{909E8E84-426E-40DD-AFC4-6F175D3DCCD1}">
+                <a14:hiddenFill xmlns:a14="http://schemas.microsoft.com/office/drawing/2010/main">
+                  <a:solidFill>
+                    <a:srgbClr val="FFFFFF"/>
+                  </a:solidFill>
+                </a14:hiddenFill>
+              </a:ext>
+            </a:extLst>
+          </p:spPr>
+        </p:pic>
+        <p:sp>
+          <p:nvSpPr>
+            <p:cNvPr id="27" name="직사각형 26">
+              <a:extLst>
+                <a:ext uri="{FF2B5EF4-FFF2-40B4-BE49-F238E27FC236}">
+                  <a16:creationId xmlns:a16="http://schemas.microsoft.com/office/drawing/2014/main" id="{1B7A4C3F-AA63-40C8-8B0C-EF0DFC9FBFDC}"/>
+                </a:ext>
+              </a:extLst>
+            </p:cNvPr>
+            <p:cNvSpPr/>
+            <p:nvPr/>
+          </p:nvSpPr>
+          <p:spPr>
+            <a:xfrm rot="782216">
+              <a:off x="3120920" y="2665675"/>
+              <a:ext cx="5110741" cy="109903"/>
+            </a:xfrm>
+            <a:prstGeom prst="rect">
+              <a:avLst/>
+            </a:prstGeom>
+            <a:solidFill>
+              <a:schemeClr val="bg1"/>
+            </a:solidFill>
+            <a:ln>
+              <a:noFill/>
+            </a:ln>
+          </p:spPr>
+          <p:style>
+            <a:lnRef idx="2">
+              <a:schemeClr val="accent1">
+                <a:shade val="50000"/>
+              </a:schemeClr>
+            </a:lnRef>
+            <a:fillRef idx="1">
+              <a:schemeClr val="accent1"/>
+            </a:fillRef>
+            <a:effectRef idx="0">
+              <a:schemeClr val="accent1"/>
+            </a:effectRef>
+            <a:fontRef idx="minor">
+              <a:schemeClr val="lt1"/>
+            </a:fontRef>
+          </p:style>
+          <p:txBody>
+            <a:bodyPr rtlCol="0" anchor="ctr"/>
+            <a:lstStyle/>
+            <a:p>
+              <a:pPr algn="ctr"/>
+              <a:endParaRPr lang="en-US" dirty="0"/>
+            </a:p>
+          </p:txBody>
+        </p:sp>
+        <p:cxnSp>
+          <p:nvCxnSpPr>
+            <p:cNvPr id="7" name="직선 화살표 연결선 6">
+              <a:extLst>
+                <a:ext uri="{FF2B5EF4-FFF2-40B4-BE49-F238E27FC236}">
+                  <a16:creationId xmlns:a16="http://schemas.microsoft.com/office/drawing/2014/main" id="{F8B74C81-2DBC-4005-B94B-0B24AB07B330}"/>
+                </a:ext>
+              </a:extLst>
+            </p:cNvPr>
+            <p:cNvCxnSpPr>
+              <a:cxnSpLocks/>
+            </p:cNvCxnSpPr>
+            <p:nvPr/>
+          </p:nvCxnSpPr>
+          <p:spPr>
+            <a:xfrm>
+              <a:off x="3091543" y="2151017"/>
+              <a:ext cx="5207726" cy="750134"/>
+            </a:xfrm>
+            <a:prstGeom prst="straightConnector1">
+              <a:avLst/>
+            </a:prstGeom>
+            <a:ln w="76200">
+              <a:solidFill>
+                <a:srgbClr val="92D050"/>
+              </a:solidFill>
+              <a:tailEnd type="triangle"/>
+            </a:ln>
+          </p:spPr>
+          <p:style>
+            <a:lnRef idx="1">
+              <a:schemeClr val="accent1"/>
+            </a:lnRef>
+            <a:fillRef idx="0">
+              <a:schemeClr val="accent1"/>
+            </a:fillRef>
+            <a:effectRef idx="0">
+              <a:schemeClr val="accent1"/>
+            </a:effectRef>
+            <a:fontRef idx="minor">
+              <a:schemeClr val="tx1"/>
+            </a:fontRef>
+          </p:style>
+        </p:cxnSp>
+        <p:cxnSp>
+          <p:nvCxnSpPr>
+            <p:cNvPr id="11" name="직선 화살표 연결선 10">
+              <a:extLst>
+                <a:ext uri="{FF2B5EF4-FFF2-40B4-BE49-F238E27FC236}">
+                  <a16:creationId xmlns:a16="http://schemas.microsoft.com/office/drawing/2014/main" id="{1C5F55F6-56FF-42B7-9AF3-5C83C3DEBF2C}"/>
+                </a:ext>
+              </a:extLst>
+            </p:cNvPr>
+            <p:cNvCxnSpPr>
+              <a:cxnSpLocks/>
+            </p:cNvCxnSpPr>
+            <p:nvPr/>
+          </p:nvCxnSpPr>
+          <p:spPr>
+            <a:xfrm>
+              <a:off x="5862774" y="2143514"/>
+              <a:ext cx="2419001" cy="1428362"/>
+            </a:xfrm>
+            <a:prstGeom prst="straightConnector1">
+              <a:avLst/>
+            </a:prstGeom>
+            <a:ln w="76200">
+              <a:solidFill>
+                <a:srgbClr val="E72384"/>
+              </a:solidFill>
+              <a:tailEnd type="triangle"/>
+            </a:ln>
+          </p:spPr>
+          <p:style>
+            <a:lnRef idx="1">
+              <a:schemeClr val="accent1"/>
+            </a:lnRef>
+            <a:fillRef idx="0">
+              <a:schemeClr val="accent1"/>
+            </a:fillRef>
+            <a:effectRef idx="0">
+              <a:schemeClr val="accent1"/>
+            </a:effectRef>
+            <a:fontRef idx="minor">
+              <a:schemeClr val="tx1"/>
+            </a:fontRef>
+          </p:style>
+        </p:cxnSp>
+        <p:cxnSp>
+          <p:nvCxnSpPr>
+            <p:cNvPr id="6" name="직선 화살표 연결선 5">
+              <a:extLst>
+                <a:ext uri="{FF2B5EF4-FFF2-40B4-BE49-F238E27FC236}">
+                  <a16:creationId xmlns:a16="http://schemas.microsoft.com/office/drawing/2014/main" id="{37C3F8EC-74DF-430F-A80C-45213B50E799}"/>
+                </a:ext>
+              </a:extLst>
+            </p:cNvPr>
+            <p:cNvCxnSpPr/>
+            <p:nvPr/>
+          </p:nvCxnSpPr>
+          <p:spPr>
+            <a:xfrm>
+              <a:off x="3091543" y="2151017"/>
+              <a:ext cx="5207726" cy="0"/>
+            </a:xfrm>
+            <a:prstGeom prst="straightConnector1">
+              <a:avLst/>
+            </a:prstGeom>
+            <a:ln w="76200">
+              <a:tailEnd type="triangle"/>
+            </a:ln>
+          </p:spPr>
+          <p:style>
+            <a:lnRef idx="1">
+              <a:schemeClr val="accent1"/>
+            </a:lnRef>
+            <a:fillRef idx="0">
+              <a:schemeClr val="accent1"/>
+            </a:fillRef>
+            <a:effectRef idx="0">
+              <a:schemeClr val="accent1"/>
+            </a:effectRef>
+            <a:fontRef idx="minor">
+              <a:schemeClr val="tx1"/>
+            </a:fontRef>
+          </p:style>
+        </p:cxnSp>
+      </p:grpSp>
+    </p:spTree>
+    <p:extLst>
+      <p:ext uri="{BB962C8B-B14F-4D97-AF65-F5344CB8AC3E}">
+        <p14:creationId xmlns:p14="http://schemas.microsoft.com/office/powerpoint/2010/main" val="250003638"/>
+      </p:ext>
+    </p:extLst>
+  </p:cSld>
+  <p:clrMapOvr>
+    <a:masterClrMapping/>
+  </p:clrMapOvr>
+</p:sld>
+</file>
+
+<file path=ppt/slides/slide2.xml><?xml version="1.0" encoding="utf-8"?>
 <p:sld xmlns:a="http://schemas.openxmlformats.org/drawingml/2006/main" xmlns:r="http://schemas.openxmlformats.org/officeDocument/2006/relationships" xmlns:p="http://schemas.openxmlformats.org/presentationml/2006/main">
   <p:cSld>
     <p:spTree>
@@ -3868,482 +4344,6 @@
 </p:sld>
 </file>
 
-<file path=ppt/slides/slide2.xml><?xml version="1.0" encoding="utf-8"?>
-<p:sld xmlns:a="http://schemas.openxmlformats.org/drawingml/2006/main" xmlns:r="http://schemas.openxmlformats.org/officeDocument/2006/relationships" xmlns:p="http://schemas.openxmlformats.org/presentationml/2006/main">
-  <p:cSld>
-    <p:spTree>
-      <p:nvGrpSpPr>
-        <p:cNvPr id="1" name=""/>
-        <p:cNvGrpSpPr/>
-        <p:nvPr/>
-      </p:nvGrpSpPr>
-      <p:grpSpPr>
-        <a:xfrm>
-          <a:off x="0" y="0"/>
-          <a:ext cx="0" cy="0"/>
-          <a:chOff x="0" y="0"/>
-          <a:chExt cx="0" cy="0"/>
-        </a:xfrm>
-      </p:grpSpPr>
-      <p:grpSp>
-        <p:nvGrpSpPr>
-          <p:cNvPr id="28" name="그룹 27">
-            <a:extLst>
-              <a:ext uri="{FF2B5EF4-FFF2-40B4-BE49-F238E27FC236}">
-                <a16:creationId xmlns:a16="http://schemas.microsoft.com/office/drawing/2014/main" id="{29341C9C-035D-4ED7-8A56-8A79CBAA3D33}"/>
-              </a:ext>
-            </a:extLst>
-          </p:cNvPr>
-          <p:cNvGrpSpPr/>
-          <p:nvPr/>
-        </p:nvGrpSpPr>
-        <p:grpSpPr>
-          <a:xfrm>
-            <a:off x="481012" y="566057"/>
-            <a:ext cx="11615738" cy="5639772"/>
-            <a:chOff x="481012" y="566057"/>
-            <a:chExt cx="11615738" cy="5639772"/>
-          </a:xfrm>
-        </p:grpSpPr>
-        <p:pic>
-          <p:nvPicPr>
-            <p:cNvPr id="2" name="Picture 4" descr="PD의 시간에 따른 변화의 사례 (Primary Psychiatry 2013)">
-              <a:extLst>
-                <a:ext uri="{FF2B5EF4-FFF2-40B4-BE49-F238E27FC236}">
-                  <a16:creationId xmlns:a16="http://schemas.microsoft.com/office/drawing/2014/main" id="{94B07EEB-94AE-48E5-962D-D96DAC0284F2}"/>
-                </a:ext>
-              </a:extLst>
-            </p:cNvPr>
-            <p:cNvPicPr>
-              <a:picLocks noChangeAspect="1" noChangeArrowheads="1"/>
-            </p:cNvPicPr>
-            <p:nvPr/>
-          </p:nvPicPr>
-          <p:blipFill rotWithShape="1">
-            <a:blip r:embed="rId2">
-              <a:extLst>
-                <a:ext uri="{28A0092B-C50C-407E-A947-70E740481C1C}">
-                  <a14:useLocalDpi xmlns:a14="http://schemas.microsoft.com/office/drawing/2010/main" val="0"/>
-                </a:ext>
-              </a:extLst>
-            </a:blip>
-            <a:srcRect l="35625"/>
-            <a:stretch/>
-          </p:blipFill>
-          <p:spPr bwMode="auto">
-            <a:xfrm>
-              <a:off x="481012" y="652171"/>
-              <a:ext cx="11229975" cy="5553658"/>
-            </a:xfrm>
-            <a:prstGeom prst="rect">
-              <a:avLst/>
-            </a:prstGeom>
-            <a:noFill/>
-            <a:extLst>
-              <a:ext uri="{909E8E84-426E-40DD-AFC4-6F175D3DCCD1}">
-                <a14:hiddenFill xmlns:a14="http://schemas.microsoft.com/office/drawing/2010/main">
-                  <a:solidFill>
-                    <a:srgbClr val="FFFFFF"/>
-                  </a:solidFill>
-                </a14:hiddenFill>
-              </a:ext>
-            </a:extLst>
-          </p:spPr>
-        </p:pic>
-        <p:sp>
-          <p:nvSpPr>
-            <p:cNvPr id="3" name="직사각형 2">
-              <a:extLst>
-                <a:ext uri="{FF2B5EF4-FFF2-40B4-BE49-F238E27FC236}">
-                  <a16:creationId xmlns:a16="http://schemas.microsoft.com/office/drawing/2014/main" id="{234FDFC0-2BA0-48E0-A357-0EB91F477CF9}"/>
-                </a:ext>
-              </a:extLst>
-            </p:cNvPr>
-            <p:cNvSpPr/>
-            <p:nvPr/>
-          </p:nvSpPr>
-          <p:spPr>
-            <a:xfrm>
-              <a:off x="6277244" y="1536653"/>
-              <a:ext cx="2073004" cy="2435272"/>
-            </a:xfrm>
-            <a:prstGeom prst="rect">
-              <a:avLst/>
-            </a:prstGeom>
-            <a:solidFill>
-              <a:schemeClr val="bg1"/>
-            </a:solidFill>
-            <a:ln>
-              <a:noFill/>
-            </a:ln>
-          </p:spPr>
-          <p:style>
-            <a:lnRef idx="2">
-              <a:schemeClr val="accent1">
-                <a:shade val="50000"/>
-              </a:schemeClr>
-            </a:lnRef>
-            <a:fillRef idx="1">
-              <a:schemeClr val="accent1"/>
-            </a:fillRef>
-            <a:effectRef idx="0">
-              <a:schemeClr val="accent1"/>
-            </a:effectRef>
-            <a:fontRef idx="minor">
-              <a:schemeClr val="lt1"/>
-            </a:fontRef>
-          </p:style>
-          <p:txBody>
-            <a:bodyPr rtlCol="0" anchor="ctr"/>
-            <a:lstStyle/>
-            <a:p>
-              <a:pPr algn="ctr"/>
-              <a:endParaRPr lang="en-US" dirty="0"/>
-            </a:p>
-          </p:txBody>
-        </p:sp>
-        <p:sp>
-          <p:nvSpPr>
-            <p:cNvPr id="4" name="직사각형 3">
-              <a:extLst>
-                <a:ext uri="{FF2B5EF4-FFF2-40B4-BE49-F238E27FC236}">
-                  <a16:creationId xmlns:a16="http://schemas.microsoft.com/office/drawing/2014/main" id="{96ACB218-8B42-470D-9B4C-C17F50082FB3}"/>
-                </a:ext>
-              </a:extLst>
-            </p:cNvPr>
-            <p:cNvSpPr/>
-            <p:nvPr/>
-          </p:nvSpPr>
-          <p:spPr>
-            <a:xfrm>
-              <a:off x="5872299" y="566057"/>
-              <a:ext cx="1390648" cy="2368732"/>
-            </a:xfrm>
-            <a:prstGeom prst="rect">
-              <a:avLst/>
-            </a:prstGeom>
-            <a:solidFill>
-              <a:schemeClr val="bg1"/>
-            </a:solidFill>
-            <a:ln>
-              <a:noFill/>
-            </a:ln>
-          </p:spPr>
-          <p:style>
-            <a:lnRef idx="2">
-              <a:schemeClr val="accent1">
-                <a:shade val="50000"/>
-              </a:schemeClr>
-            </a:lnRef>
-            <a:fillRef idx="1">
-              <a:schemeClr val="accent1"/>
-            </a:fillRef>
-            <a:effectRef idx="0">
-              <a:schemeClr val="accent1"/>
-            </a:effectRef>
-            <a:fontRef idx="minor">
-              <a:schemeClr val="lt1"/>
-            </a:fontRef>
-          </p:style>
-          <p:txBody>
-            <a:bodyPr rtlCol="0" anchor="ctr"/>
-            <a:lstStyle/>
-            <a:p>
-              <a:pPr algn="ctr"/>
-              <a:endParaRPr lang="en-US" dirty="0"/>
-            </a:p>
-          </p:txBody>
-        </p:sp>
-        <p:sp>
-          <p:nvSpPr>
-            <p:cNvPr id="25" name="직사각형 24">
-              <a:extLst>
-                <a:ext uri="{FF2B5EF4-FFF2-40B4-BE49-F238E27FC236}">
-                  <a16:creationId xmlns:a16="http://schemas.microsoft.com/office/drawing/2014/main" id="{BF4F7073-E570-43F4-806E-3F0FB53EA43E}"/>
-                </a:ext>
-              </a:extLst>
-            </p:cNvPr>
-            <p:cNvSpPr/>
-            <p:nvPr/>
-          </p:nvSpPr>
-          <p:spPr>
-            <a:xfrm>
-              <a:off x="8282124" y="2659516"/>
-              <a:ext cx="3814626" cy="1538968"/>
-            </a:xfrm>
-            <a:prstGeom prst="rect">
-              <a:avLst/>
-            </a:prstGeom>
-            <a:solidFill>
-              <a:schemeClr val="bg1"/>
-            </a:solidFill>
-            <a:ln>
-              <a:noFill/>
-            </a:ln>
-          </p:spPr>
-          <p:style>
-            <a:lnRef idx="2">
-              <a:schemeClr val="accent1">
-                <a:shade val="50000"/>
-              </a:schemeClr>
-            </a:lnRef>
-            <a:fillRef idx="1">
-              <a:schemeClr val="accent1"/>
-            </a:fillRef>
-            <a:effectRef idx="0">
-              <a:schemeClr val="accent1"/>
-            </a:effectRef>
-            <a:fontRef idx="minor">
-              <a:schemeClr val="lt1"/>
-            </a:fontRef>
-          </p:style>
-          <p:txBody>
-            <a:bodyPr rtlCol="0" anchor="ctr"/>
-            <a:lstStyle/>
-            <a:p>
-              <a:pPr algn="ctr"/>
-              <a:endParaRPr lang="en-US" dirty="0"/>
-            </a:p>
-          </p:txBody>
-        </p:sp>
-        <p:pic>
-          <p:nvPicPr>
-            <p:cNvPr id="26" name="Picture 4" descr="PD의 시간에 따른 변화의 사례 (Primary Psychiatry 2013)">
-              <a:extLst>
-                <a:ext uri="{FF2B5EF4-FFF2-40B4-BE49-F238E27FC236}">
-                  <a16:creationId xmlns:a16="http://schemas.microsoft.com/office/drawing/2014/main" id="{FFB5EBFC-3977-4229-9C82-8608612ABF1B}"/>
-                </a:ext>
-              </a:extLst>
-            </p:cNvPr>
-            <p:cNvPicPr>
-              <a:picLocks noChangeAspect="1" noChangeArrowheads="1"/>
-            </p:cNvPicPr>
-            <p:nvPr/>
-          </p:nvPicPr>
-          <p:blipFill rotWithShape="1">
-            <a:blip r:embed="rId2">
-              <a:extLst>
-                <a:ext uri="{28A0092B-C50C-407E-A947-70E740481C1C}">
-                  <a14:useLocalDpi xmlns:a14="http://schemas.microsoft.com/office/drawing/2010/main" val="0"/>
-                </a:ext>
-              </a:extLst>
-            </a:blip>
-            <a:srcRect l="80322" t="42625" b="33193"/>
-            <a:stretch/>
-          </p:blipFill>
-          <p:spPr bwMode="auto">
-            <a:xfrm>
-              <a:off x="8299449" y="2566849"/>
-              <a:ext cx="3423337" cy="1339330"/>
-            </a:xfrm>
-            <a:prstGeom prst="rect">
-              <a:avLst/>
-            </a:prstGeom>
-            <a:noFill/>
-            <a:extLst>
-              <a:ext uri="{909E8E84-426E-40DD-AFC4-6F175D3DCCD1}">
-                <a14:hiddenFill xmlns:a14="http://schemas.microsoft.com/office/drawing/2010/main">
-                  <a:solidFill>
-                    <a:srgbClr val="FFFFFF"/>
-                  </a:solidFill>
-                </a14:hiddenFill>
-              </a:ext>
-            </a:extLst>
-          </p:spPr>
-        </p:pic>
-        <p:sp>
-          <p:nvSpPr>
-            <p:cNvPr id="27" name="직사각형 26">
-              <a:extLst>
-                <a:ext uri="{FF2B5EF4-FFF2-40B4-BE49-F238E27FC236}">
-                  <a16:creationId xmlns:a16="http://schemas.microsoft.com/office/drawing/2014/main" id="{1B7A4C3F-AA63-40C8-8B0C-EF0DFC9FBFDC}"/>
-                </a:ext>
-              </a:extLst>
-            </p:cNvPr>
-            <p:cNvSpPr/>
-            <p:nvPr/>
-          </p:nvSpPr>
-          <p:spPr>
-            <a:xfrm rot="782216">
-              <a:off x="3120920" y="2665675"/>
-              <a:ext cx="5110741" cy="109903"/>
-            </a:xfrm>
-            <a:prstGeom prst="rect">
-              <a:avLst/>
-            </a:prstGeom>
-            <a:solidFill>
-              <a:schemeClr val="bg1"/>
-            </a:solidFill>
-            <a:ln>
-              <a:noFill/>
-            </a:ln>
-          </p:spPr>
-          <p:style>
-            <a:lnRef idx="2">
-              <a:schemeClr val="accent1">
-                <a:shade val="50000"/>
-              </a:schemeClr>
-            </a:lnRef>
-            <a:fillRef idx="1">
-              <a:schemeClr val="accent1"/>
-            </a:fillRef>
-            <a:effectRef idx="0">
-              <a:schemeClr val="accent1"/>
-            </a:effectRef>
-            <a:fontRef idx="minor">
-              <a:schemeClr val="lt1"/>
-            </a:fontRef>
-          </p:style>
-          <p:txBody>
-            <a:bodyPr rtlCol="0" anchor="ctr"/>
-            <a:lstStyle/>
-            <a:p>
-              <a:pPr algn="ctr"/>
-              <a:endParaRPr lang="en-US" dirty="0"/>
-            </a:p>
-          </p:txBody>
-        </p:sp>
-        <p:cxnSp>
-          <p:nvCxnSpPr>
-            <p:cNvPr id="7" name="직선 화살표 연결선 6">
-              <a:extLst>
-                <a:ext uri="{FF2B5EF4-FFF2-40B4-BE49-F238E27FC236}">
-                  <a16:creationId xmlns:a16="http://schemas.microsoft.com/office/drawing/2014/main" id="{F8B74C81-2DBC-4005-B94B-0B24AB07B330}"/>
-                </a:ext>
-              </a:extLst>
-            </p:cNvPr>
-            <p:cNvCxnSpPr>
-              <a:cxnSpLocks/>
-            </p:cNvCxnSpPr>
-            <p:nvPr/>
-          </p:nvCxnSpPr>
-          <p:spPr>
-            <a:xfrm>
-              <a:off x="3091543" y="2151017"/>
-              <a:ext cx="5207726" cy="750134"/>
-            </a:xfrm>
-            <a:prstGeom prst="straightConnector1">
-              <a:avLst/>
-            </a:prstGeom>
-            <a:ln w="76200">
-              <a:solidFill>
-                <a:srgbClr val="92D050"/>
-              </a:solidFill>
-              <a:tailEnd type="triangle"/>
-            </a:ln>
-          </p:spPr>
-          <p:style>
-            <a:lnRef idx="1">
-              <a:schemeClr val="accent1"/>
-            </a:lnRef>
-            <a:fillRef idx="0">
-              <a:schemeClr val="accent1"/>
-            </a:fillRef>
-            <a:effectRef idx="0">
-              <a:schemeClr val="accent1"/>
-            </a:effectRef>
-            <a:fontRef idx="minor">
-              <a:schemeClr val="tx1"/>
-            </a:fontRef>
-          </p:style>
-        </p:cxnSp>
-        <p:cxnSp>
-          <p:nvCxnSpPr>
-            <p:cNvPr id="11" name="직선 화살표 연결선 10">
-              <a:extLst>
-                <a:ext uri="{FF2B5EF4-FFF2-40B4-BE49-F238E27FC236}">
-                  <a16:creationId xmlns:a16="http://schemas.microsoft.com/office/drawing/2014/main" id="{1C5F55F6-56FF-42B7-9AF3-5C83C3DEBF2C}"/>
-                </a:ext>
-              </a:extLst>
-            </p:cNvPr>
-            <p:cNvCxnSpPr>
-              <a:cxnSpLocks/>
-            </p:cNvCxnSpPr>
-            <p:nvPr/>
-          </p:nvCxnSpPr>
-          <p:spPr>
-            <a:xfrm>
-              <a:off x="5862774" y="2143514"/>
-              <a:ext cx="2419001" cy="1428362"/>
-            </a:xfrm>
-            <a:prstGeom prst="straightConnector1">
-              <a:avLst/>
-            </a:prstGeom>
-            <a:ln w="76200">
-              <a:solidFill>
-                <a:srgbClr val="E72384"/>
-              </a:solidFill>
-              <a:tailEnd type="triangle"/>
-            </a:ln>
-          </p:spPr>
-          <p:style>
-            <a:lnRef idx="1">
-              <a:schemeClr val="accent1"/>
-            </a:lnRef>
-            <a:fillRef idx="0">
-              <a:schemeClr val="accent1"/>
-            </a:fillRef>
-            <a:effectRef idx="0">
-              <a:schemeClr val="accent1"/>
-            </a:effectRef>
-            <a:fontRef idx="minor">
-              <a:schemeClr val="tx1"/>
-            </a:fontRef>
-          </p:style>
-        </p:cxnSp>
-        <p:cxnSp>
-          <p:nvCxnSpPr>
-            <p:cNvPr id="6" name="직선 화살표 연결선 5">
-              <a:extLst>
-                <a:ext uri="{FF2B5EF4-FFF2-40B4-BE49-F238E27FC236}">
-                  <a16:creationId xmlns:a16="http://schemas.microsoft.com/office/drawing/2014/main" id="{37C3F8EC-74DF-430F-A80C-45213B50E799}"/>
-                </a:ext>
-              </a:extLst>
-            </p:cNvPr>
-            <p:cNvCxnSpPr/>
-            <p:nvPr/>
-          </p:nvCxnSpPr>
-          <p:spPr>
-            <a:xfrm>
-              <a:off x="3091543" y="2151017"/>
-              <a:ext cx="5207726" cy="0"/>
-            </a:xfrm>
-            <a:prstGeom prst="straightConnector1">
-              <a:avLst/>
-            </a:prstGeom>
-            <a:ln w="76200">
-              <a:tailEnd type="triangle"/>
-            </a:ln>
-          </p:spPr>
-          <p:style>
-            <a:lnRef idx="1">
-              <a:schemeClr val="accent1"/>
-            </a:lnRef>
-            <a:fillRef idx="0">
-              <a:schemeClr val="accent1"/>
-            </a:fillRef>
-            <a:effectRef idx="0">
-              <a:schemeClr val="accent1"/>
-            </a:effectRef>
-            <a:fontRef idx="minor">
-              <a:schemeClr val="tx1"/>
-            </a:fontRef>
-          </p:style>
-        </p:cxnSp>
-      </p:grpSp>
-    </p:spTree>
-    <p:extLst>
-      <p:ext uri="{BB962C8B-B14F-4D97-AF65-F5344CB8AC3E}">
-        <p14:creationId xmlns:p14="http://schemas.microsoft.com/office/powerpoint/2010/main" val="250003638"/>
-      </p:ext>
-    </p:extLst>
-  </p:cSld>
-  <p:clrMapOvr>
-    <a:masterClrMapping/>
-  </p:clrMapOvr>
-</p:sld>
-</file>
-
 <file path=ppt/theme/theme1.xml><?xml version="1.0" encoding="utf-8"?>
 <a:theme xmlns:a="http://schemas.openxmlformats.org/drawingml/2006/main" name="Office 테마">
   <a:themeElements>
